--- a/old/lesson_81_python.pptx
+++ b/old/lesson_81_python.pptx
@@ -2046,7 +2046,7 @@
           <a:p>
             <a:pPr/>
             <a:r>
-              <a:t>Dr. O’Brien, 11/8/21</a:t>
+              <a:t>Dr. O’Brien, 11/9/21</a:t>
             </a:r>
           </a:p>
         </p:txBody>
@@ -6100,7 +6100,7 @@
               </a:defRPr>
             </a:pPr>
             <a:r>
-              <a:t>Lesson 8.1</a:t>
+              <a:t>Lesson 8.2</a:t>
             </a:r>
           </a:p>
         </p:txBody>
@@ -6155,7 +6155,7 @@
               <a:defRPr sz="1600"/>
             </a:pPr>
             <a:r>
-              <a:t>Nov. 8</a:t>
+              <a:t>Nov. 9</a:t>
             </a:r>
             <a:r>
               <a:t>, 2021</a:t>

--- a/old/lesson_81_python.pptx
+++ b/old/lesson_81_python.pptx
@@ -2005,7 +2005,9 @@
       </p:sp>
       <p:sp>
         <p:nvSpPr>
-          <p:cNvPr id="175" name="Google Shape;31;p4"/>
+          <p:cNvPr id="175" name="Google Shape;31;p4">
+            <a:hlinkClick r:id="" invalidUrl="" action="ppaction://hlinkshowjump?jump=nextslide" tgtFrame="" tooltip="" history="1" highlightClick="0" endSnd="0"/>
+          </p:cNvPr>
           <p:cNvSpPr txBox="1"/>
           <p:nvPr/>
         </p:nvSpPr>
@@ -2046,7 +2048,7 @@
           <a:p>
             <a:pPr/>
             <a:r>
-              <a:t>Dr. O’Brien, 11/9/21</a:t>
+              <a:t>Dr. O’Brien, 11/10/21</a:t>
             </a:r>
           </a:p>
         </p:txBody>
@@ -6100,7 +6102,7 @@
               </a:defRPr>
             </a:pPr>
             <a:r>
-              <a:t>Lesson 8.2</a:t>
+              <a:t>Lesson 8.3</a:t>
             </a:r>
           </a:p>
         </p:txBody>
@@ -6155,7 +6157,7 @@
               <a:defRPr sz="1600"/>
             </a:pPr>
             <a:r>
-              <a:t>Nov. 9</a:t>
+              <a:t>Nov. 10</a:t>
             </a:r>
             <a:r>
               <a:t>, 2021</a:t>
